--- a/pptx/061_Trees.pptx
+++ b/pptx/061_Trees.pptx
@@ -5,10 +5,10 @@
     <p:sldMasterId id="2147483684" r:id="rId1"/>
   </p:sldMasterIdLst>
   <p:notesMasterIdLst>
-    <p:notesMasterId r:id="rId12"/>
+    <p:notesMasterId r:id="rId17"/>
   </p:notesMasterIdLst>
   <p:handoutMasterIdLst>
-    <p:handoutMasterId r:id="rId13"/>
+    <p:handoutMasterId r:id="rId18"/>
   </p:handoutMasterIdLst>
   <p:sldIdLst>
     <p:sldId id="256" r:id="rId2"/>
@@ -21,6 +21,11 @@
     <p:sldId id="308" r:id="rId9"/>
     <p:sldId id="304" r:id="rId10"/>
     <p:sldId id="306" r:id="rId11"/>
+    <p:sldId id="311" r:id="rId12"/>
+    <p:sldId id="313" r:id="rId13"/>
+    <p:sldId id="314" r:id="rId14"/>
+    <p:sldId id="312" r:id="rId15"/>
+    <p:sldId id="315" r:id="rId16"/>
   </p:sldIdLst>
   <p:sldSz cx="12192000" cy="6858000"/>
   <p:notesSz cx="6858000" cy="9144000"/>
@@ -9499,7 +9504,7 @@
           <a:p>
             <a:fld id="{7D48BAA4-CDAF-41B6-BD14-09C1104D2ABC}" type="datetimeFigureOut">
               <a:rPr lang="uk-UA" smtClean="0"/>
-              <a:t>10.06.2021</a:t>
+              <a:t>14.06.2021</a:t>
             </a:fld>
             <a:endParaRPr lang="uk-UA"/>
           </a:p>
@@ -9676,7 +9681,7 @@
           <a:p>
             <a:fld id="{8C675581-76A8-4E96-B3A5-55626BBCD851}" type="datetimeFigureOut">
               <a:rPr lang="uk-UA" smtClean="0"/>
-              <a:t>10.06.2021</a:t>
+              <a:t>14.06.2021</a:t>
             </a:fld>
             <a:endParaRPr lang="uk-UA"/>
           </a:p>
@@ -10018,6 +10023,426 @@
     <p:extLst>
       <p:ext uri="{BB962C8B-B14F-4D97-AF65-F5344CB8AC3E}">
         <p14:creationId xmlns:p14="http://schemas.microsoft.com/office/powerpoint/2010/main" val="760658014"/>
+      </p:ext>
+    </p:extLst>
+  </p:cSld>
+  <p:clrMapOvr>
+    <a:masterClrMapping/>
+  </p:clrMapOvr>
+</p:notes>
+</file>
+
+<file path=ppt/notesSlides/notesSlide10.xml><?xml version="1.0" encoding="utf-8"?>
+<p:notes xmlns:a="http://schemas.openxmlformats.org/drawingml/2006/main" xmlns:r="http://schemas.openxmlformats.org/officeDocument/2006/relationships" xmlns:p="http://schemas.openxmlformats.org/presentationml/2006/main">
+  <p:cSld>
+    <p:spTree>
+      <p:nvGrpSpPr>
+        <p:cNvPr id="1" name=""/>
+        <p:cNvGrpSpPr/>
+        <p:nvPr/>
+      </p:nvGrpSpPr>
+      <p:grpSpPr>
+        <a:xfrm>
+          <a:off x="0" y="0"/>
+          <a:ext cx="0" cy="0"/>
+          <a:chOff x="0" y="0"/>
+          <a:chExt cx="0" cy="0"/>
+        </a:xfrm>
+      </p:grpSpPr>
+      <p:sp>
+        <p:nvSpPr>
+          <p:cNvPr id="2" name="Місце для зображення 1"/>
+          <p:cNvSpPr>
+            <a:spLocks noGrp="1" noRot="1" noChangeAspect="1"/>
+          </p:cNvSpPr>
+          <p:nvPr>
+            <p:ph type="sldImg"/>
+          </p:nvPr>
+        </p:nvSpPr>
+        <p:spPr/>
+      </p:sp>
+      <p:sp>
+        <p:nvSpPr>
+          <p:cNvPr id="3" name="Місце для нотаток 2"/>
+          <p:cNvSpPr>
+            <a:spLocks noGrp="1"/>
+          </p:cNvSpPr>
+          <p:nvPr>
+            <p:ph type="body" idx="1"/>
+          </p:nvPr>
+        </p:nvSpPr>
+        <p:spPr/>
+        <p:txBody>
+          <a:bodyPr/>
+          <a:lstStyle/>
+          <a:p>
+            <a:endParaRPr lang="uk-UA" dirty="0"/>
+          </a:p>
+        </p:txBody>
+      </p:sp>
+      <p:sp>
+        <p:nvSpPr>
+          <p:cNvPr id="4" name="Місце для номера слайда 3"/>
+          <p:cNvSpPr>
+            <a:spLocks noGrp="1"/>
+          </p:cNvSpPr>
+          <p:nvPr>
+            <p:ph type="sldNum" sz="quarter" idx="5"/>
+          </p:nvPr>
+        </p:nvSpPr>
+        <p:spPr/>
+        <p:txBody>
+          <a:bodyPr/>
+          <a:lstStyle/>
+          <a:p>
+            <a:fld id="{D2584530-CA7D-4354-9882-5DAFE98A5211}" type="slidenum">
+              <a:rPr lang="uk-UA" smtClean="0"/>
+              <a:t>11</a:t>
+            </a:fld>
+            <a:endParaRPr lang="uk-UA"/>
+          </a:p>
+        </p:txBody>
+      </p:sp>
+    </p:spTree>
+    <p:extLst>
+      <p:ext uri="{BB962C8B-B14F-4D97-AF65-F5344CB8AC3E}">
+        <p14:creationId xmlns:p14="http://schemas.microsoft.com/office/powerpoint/2010/main" val="3619588780"/>
+      </p:ext>
+    </p:extLst>
+  </p:cSld>
+  <p:clrMapOvr>
+    <a:masterClrMapping/>
+  </p:clrMapOvr>
+</p:notes>
+</file>
+
+<file path=ppt/notesSlides/notesSlide11.xml><?xml version="1.0" encoding="utf-8"?>
+<p:notes xmlns:a="http://schemas.openxmlformats.org/drawingml/2006/main" xmlns:r="http://schemas.openxmlformats.org/officeDocument/2006/relationships" xmlns:p="http://schemas.openxmlformats.org/presentationml/2006/main">
+  <p:cSld>
+    <p:spTree>
+      <p:nvGrpSpPr>
+        <p:cNvPr id="1" name=""/>
+        <p:cNvGrpSpPr/>
+        <p:nvPr/>
+      </p:nvGrpSpPr>
+      <p:grpSpPr>
+        <a:xfrm>
+          <a:off x="0" y="0"/>
+          <a:ext cx="0" cy="0"/>
+          <a:chOff x="0" y="0"/>
+          <a:chExt cx="0" cy="0"/>
+        </a:xfrm>
+      </p:grpSpPr>
+      <p:sp>
+        <p:nvSpPr>
+          <p:cNvPr id="2" name="Місце для зображення 1"/>
+          <p:cNvSpPr>
+            <a:spLocks noGrp="1" noRot="1" noChangeAspect="1"/>
+          </p:cNvSpPr>
+          <p:nvPr>
+            <p:ph type="sldImg"/>
+          </p:nvPr>
+        </p:nvSpPr>
+        <p:spPr/>
+      </p:sp>
+      <p:sp>
+        <p:nvSpPr>
+          <p:cNvPr id="3" name="Місце для нотаток 2"/>
+          <p:cNvSpPr>
+            <a:spLocks noGrp="1"/>
+          </p:cNvSpPr>
+          <p:nvPr>
+            <p:ph type="body" idx="1"/>
+          </p:nvPr>
+        </p:nvSpPr>
+        <p:spPr/>
+        <p:txBody>
+          <a:bodyPr/>
+          <a:lstStyle/>
+          <a:p>
+            <a:endParaRPr lang="uk-UA" dirty="0"/>
+          </a:p>
+        </p:txBody>
+      </p:sp>
+      <p:sp>
+        <p:nvSpPr>
+          <p:cNvPr id="4" name="Місце для номера слайда 3"/>
+          <p:cNvSpPr>
+            <a:spLocks noGrp="1"/>
+          </p:cNvSpPr>
+          <p:nvPr>
+            <p:ph type="sldNum" sz="quarter" idx="5"/>
+          </p:nvPr>
+        </p:nvSpPr>
+        <p:spPr/>
+        <p:txBody>
+          <a:bodyPr/>
+          <a:lstStyle/>
+          <a:p>
+            <a:fld id="{D2584530-CA7D-4354-9882-5DAFE98A5211}" type="slidenum">
+              <a:rPr lang="uk-UA" smtClean="0"/>
+              <a:t>12</a:t>
+            </a:fld>
+            <a:endParaRPr lang="uk-UA"/>
+          </a:p>
+        </p:txBody>
+      </p:sp>
+    </p:spTree>
+    <p:extLst>
+      <p:ext uri="{BB962C8B-B14F-4D97-AF65-F5344CB8AC3E}">
+        <p14:creationId xmlns:p14="http://schemas.microsoft.com/office/powerpoint/2010/main" val="2322008288"/>
+      </p:ext>
+    </p:extLst>
+  </p:cSld>
+  <p:clrMapOvr>
+    <a:masterClrMapping/>
+  </p:clrMapOvr>
+</p:notes>
+</file>
+
+<file path=ppt/notesSlides/notesSlide12.xml><?xml version="1.0" encoding="utf-8"?>
+<p:notes xmlns:a="http://schemas.openxmlformats.org/drawingml/2006/main" xmlns:r="http://schemas.openxmlformats.org/officeDocument/2006/relationships" xmlns:p="http://schemas.openxmlformats.org/presentationml/2006/main">
+  <p:cSld>
+    <p:spTree>
+      <p:nvGrpSpPr>
+        <p:cNvPr id="1" name=""/>
+        <p:cNvGrpSpPr/>
+        <p:nvPr/>
+      </p:nvGrpSpPr>
+      <p:grpSpPr>
+        <a:xfrm>
+          <a:off x="0" y="0"/>
+          <a:ext cx="0" cy="0"/>
+          <a:chOff x="0" y="0"/>
+          <a:chExt cx="0" cy="0"/>
+        </a:xfrm>
+      </p:grpSpPr>
+      <p:sp>
+        <p:nvSpPr>
+          <p:cNvPr id="2" name="Місце для зображення 1"/>
+          <p:cNvSpPr>
+            <a:spLocks noGrp="1" noRot="1" noChangeAspect="1"/>
+          </p:cNvSpPr>
+          <p:nvPr>
+            <p:ph type="sldImg"/>
+          </p:nvPr>
+        </p:nvSpPr>
+        <p:spPr/>
+      </p:sp>
+      <p:sp>
+        <p:nvSpPr>
+          <p:cNvPr id="3" name="Місце для нотаток 2"/>
+          <p:cNvSpPr>
+            <a:spLocks noGrp="1"/>
+          </p:cNvSpPr>
+          <p:nvPr>
+            <p:ph type="body" idx="1"/>
+          </p:nvPr>
+        </p:nvSpPr>
+        <p:spPr/>
+        <p:txBody>
+          <a:bodyPr/>
+          <a:lstStyle/>
+          <a:p>
+            <a:endParaRPr lang="uk-UA" dirty="0"/>
+          </a:p>
+        </p:txBody>
+      </p:sp>
+      <p:sp>
+        <p:nvSpPr>
+          <p:cNvPr id="4" name="Місце для номера слайда 3"/>
+          <p:cNvSpPr>
+            <a:spLocks noGrp="1"/>
+          </p:cNvSpPr>
+          <p:nvPr>
+            <p:ph type="sldNum" sz="quarter" idx="5"/>
+          </p:nvPr>
+        </p:nvSpPr>
+        <p:spPr/>
+        <p:txBody>
+          <a:bodyPr/>
+          <a:lstStyle/>
+          <a:p>
+            <a:fld id="{D2584530-CA7D-4354-9882-5DAFE98A5211}" type="slidenum">
+              <a:rPr lang="uk-UA" smtClean="0"/>
+              <a:t>13</a:t>
+            </a:fld>
+            <a:endParaRPr lang="uk-UA"/>
+          </a:p>
+        </p:txBody>
+      </p:sp>
+    </p:spTree>
+    <p:extLst>
+      <p:ext uri="{BB962C8B-B14F-4D97-AF65-F5344CB8AC3E}">
+        <p14:creationId xmlns:p14="http://schemas.microsoft.com/office/powerpoint/2010/main" val="3634968770"/>
+      </p:ext>
+    </p:extLst>
+  </p:cSld>
+  <p:clrMapOvr>
+    <a:masterClrMapping/>
+  </p:clrMapOvr>
+</p:notes>
+</file>
+
+<file path=ppt/notesSlides/notesSlide13.xml><?xml version="1.0" encoding="utf-8"?>
+<p:notes xmlns:a="http://schemas.openxmlformats.org/drawingml/2006/main" xmlns:r="http://schemas.openxmlformats.org/officeDocument/2006/relationships" xmlns:p="http://schemas.openxmlformats.org/presentationml/2006/main">
+  <p:cSld>
+    <p:spTree>
+      <p:nvGrpSpPr>
+        <p:cNvPr id="1" name=""/>
+        <p:cNvGrpSpPr/>
+        <p:nvPr/>
+      </p:nvGrpSpPr>
+      <p:grpSpPr>
+        <a:xfrm>
+          <a:off x="0" y="0"/>
+          <a:ext cx="0" cy="0"/>
+          <a:chOff x="0" y="0"/>
+          <a:chExt cx="0" cy="0"/>
+        </a:xfrm>
+      </p:grpSpPr>
+      <p:sp>
+        <p:nvSpPr>
+          <p:cNvPr id="2" name="Місце для зображення 1"/>
+          <p:cNvSpPr>
+            <a:spLocks noGrp="1" noRot="1" noChangeAspect="1"/>
+          </p:cNvSpPr>
+          <p:nvPr>
+            <p:ph type="sldImg"/>
+          </p:nvPr>
+        </p:nvSpPr>
+        <p:spPr/>
+      </p:sp>
+      <p:sp>
+        <p:nvSpPr>
+          <p:cNvPr id="3" name="Місце для нотаток 2"/>
+          <p:cNvSpPr>
+            <a:spLocks noGrp="1"/>
+          </p:cNvSpPr>
+          <p:nvPr>
+            <p:ph type="body" idx="1"/>
+          </p:nvPr>
+        </p:nvSpPr>
+        <p:spPr/>
+        <p:txBody>
+          <a:bodyPr/>
+          <a:lstStyle/>
+          <a:p>
+            <a:endParaRPr lang="uk-UA" dirty="0"/>
+          </a:p>
+        </p:txBody>
+      </p:sp>
+      <p:sp>
+        <p:nvSpPr>
+          <p:cNvPr id="4" name="Місце для номера слайда 3"/>
+          <p:cNvSpPr>
+            <a:spLocks noGrp="1"/>
+          </p:cNvSpPr>
+          <p:nvPr>
+            <p:ph type="sldNum" sz="quarter" idx="5"/>
+          </p:nvPr>
+        </p:nvSpPr>
+        <p:spPr/>
+        <p:txBody>
+          <a:bodyPr/>
+          <a:lstStyle/>
+          <a:p>
+            <a:fld id="{D2584530-CA7D-4354-9882-5DAFE98A5211}" type="slidenum">
+              <a:rPr lang="uk-UA" smtClean="0"/>
+              <a:t>14</a:t>
+            </a:fld>
+            <a:endParaRPr lang="uk-UA"/>
+          </a:p>
+        </p:txBody>
+      </p:sp>
+    </p:spTree>
+    <p:extLst>
+      <p:ext uri="{BB962C8B-B14F-4D97-AF65-F5344CB8AC3E}">
+        <p14:creationId xmlns:p14="http://schemas.microsoft.com/office/powerpoint/2010/main" val="1611632675"/>
+      </p:ext>
+    </p:extLst>
+  </p:cSld>
+  <p:clrMapOvr>
+    <a:masterClrMapping/>
+  </p:clrMapOvr>
+</p:notes>
+</file>
+
+<file path=ppt/notesSlides/notesSlide14.xml><?xml version="1.0" encoding="utf-8"?>
+<p:notes xmlns:a="http://schemas.openxmlformats.org/drawingml/2006/main" xmlns:r="http://schemas.openxmlformats.org/officeDocument/2006/relationships" xmlns:p="http://schemas.openxmlformats.org/presentationml/2006/main">
+  <p:cSld>
+    <p:spTree>
+      <p:nvGrpSpPr>
+        <p:cNvPr id="1" name=""/>
+        <p:cNvGrpSpPr/>
+        <p:nvPr/>
+      </p:nvGrpSpPr>
+      <p:grpSpPr>
+        <a:xfrm>
+          <a:off x="0" y="0"/>
+          <a:ext cx="0" cy="0"/>
+          <a:chOff x="0" y="0"/>
+          <a:chExt cx="0" cy="0"/>
+        </a:xfrm>
+      </p:grpSpPr>
+      <p:sp>
+        <p:nvSpPr>
+          <p:cNvPr id="2" name="Місце для зображення 1"/>
+          <p:cNvSpPr>
+            <a:spLocks noGrp="1" noRot="1" noChangeAspect="1"/>
+          </p:cNvSpPr>
+          <p:nvPr>
+            <p:ph type="sldImg"/>
+          </p:nvPr>
+        </p:nvSpPr>
+        <p:spPr/>
+      </p:sp>
+      <p:sp>
+        <p:nvSpPr>
+          <p:cNvPr id="3" name="Місце для нотаток 2"/>
+          <p:cNvSpPr>
+            <a:spLocks noGrp="1"/>
+          </p:cNvSpPr>
+          <p:nvPr>
+            <p:ph type="body" idx="1"/>
+          </p:nvPr>
+        </p:nvSpPr>
+        <p:spPr/>
+        <p:txBody>
+          <a:bodyPr/>
+          <a:lstStyle/>
+          <a:p>
+            <a:endParaRPr lang="uk-UA" dirty="0"/>
+          </a:p>
+        </p:txBody>
+      </p:sp>
+      <p:sp>
+        <p:nvSpPr>
+          <p:cNvPr id="4" name="Місце для номера слайда 3"/>
+          <p:cNvSpPr>
+            <a:spLocks noGrp="1"/>
+          </p:cNvSpPr>
+          <p:nvPr>
+            <p:ph type="sldNum" sz="quarter" idx="5"/>
+          </p:nvPr>
+        </p:nvSpPr>
+        <p:spPr/>
+        <p:txBody>
+          <a:bodyPr/>
+          <a:lstStyle/>
+          <a:p>
+            <a:fld id="{D2584530-CA7D-4354-9882-5DAFE98A5211}" type="slidenum">
+              <a:rPr lang="uk-UA" smtClean="0"/>
+              <a:t>15</a:t>
+            </a:fld>
+            <a:endParaRPr lang="uk-UA"/>
+          </a:p>
+        </p:txBody>
+      </p:sp>
+    </p:spTree>
+    <p:extLst>
+      <p:ext uri="{BB962C8B-B14F-4D97-AF65-F5344CB8AC3E}">
+        <p14:creationId xmlns:p14="http://schemas.microsoft.com/office/powerpoint/2010/main" val="1793604236"/>
       </p:ext>
     </p:extLst>
   </p:cSld>
@@ -11159,7 +11584,7 @@
           <a:p>
             <a:fld id="{EE0C36BD-C101-446C-9D86-AD020CD43D83}" type="datetime1">
               <a:rPr lang="uk-UA" smtClean="0"/>
-              <a:t>10.06.2021</a:t>
+              <a:t>14.06.2021</a:t>
             </a:fld>
             <a:endParaRPr lang="uk-UA"/>
           </a:p>
@@ -11329,7 +11754,7 @@
           <a:p>
             <a:fld id="{9CD10D9B-B5C6-4E42-B22A-C7C4BC835DCB}" type="datetime1">
               <a:rPr lang="uk-UA" smtClean="0"/>
-              <a:t>10.06.2021</a:t>
+              <a:t>14.06.2021</a:t>
             </a:fld>
             <a:endParaRPr lang="uk-UA"/>
           </a:p>
@@ -11509,7 +11934,7 @@
           <a:p>
             <a:fld id="{50E852B1-E8B1-4B47-AFE5-D56B3640A3D7}" type="datetime1">
               <a:rPr lang="uk-UA" smtClean="0"/>
-              <a:t>10.06.2021</a:t>
+              <a:t>14.06.2021</a:t>
             </a:fld>
             <a:endParaRPr lang="uk-UA"/>
           </a:p>
@@ -11744,7 +12169,7 @@
           <a:p>
             <a:fld id="{163FEDB8-7778-449D-902C-3B3C568FAF6B}" type="datetime1">
               <a:rPr lang="uk-UA" smtClean="0"/>
-              <a:t>10.06.2021</a:t>
+              <a:t>14.06.2021</a:t>
             </a:fld>
             <a:endParaRPr lang="uk-UA" dirty="0"/>
           </a:p>
@@ -12345,7 +12770,7 @@
           <a:p>
             <a:fld id="{1D8BD707-D9CF-40AE-B4C6-C98DA3205C09}" type="datetimeFigureOut">
               <a:rPr lang="en-US"/>
-              <a:t>6/10/2021</a:t>
+              <a:t>6/14/2021</a:t>
             </a:fld>
             <a:endParaRPr lang="en-US"/>
           </a:p>
@@ -12576,7 +13001,7 @@
           <a:p>
             <a:fld id="{163FEDB8-7778-449D-902C-3B3C568FAF6B}" type="datetime1">
               <a:rPr lang="uk-UA" smtClean="0"/>
-              <a:t>10.06.2021</a:t>
+              <a:t>14.06.2021</a:t>
             </a:fld>
             <a:endParaRPr lang="uk-UA" dirty="0"/>
           </a:p>
@@ -13035,7 +13460,7 @@
           <a:p>
             <a:fld id="{0528AECD-4A94-4327-BAD7-47806D0E69D9}" type="datetime1">
               <a:rPr lang="uk-UA" smtClean="0"/>
-              <a:t>10.06.2021</a:t>
+              <a:t>14.06.2021</a:t>
             </a:fld>
             <a:endParaRPr lang="uk-UA"/>
           </a:p>
@@ -13774,7 +14199,7 @@
           <a:p>
             <a:fld id="{F2E8C604-772C-4D64-A8D0-7FDD12145456}" type="datetime1">
               <a:rPr lang="uk-UA" smtClean="0"/>
-              <a:t>10.06.2021</a:t>
+              <a:t>14.06.2021</a:t>
             </a:fld>
             <a:endParaRPr lang="uk-UA"/>
           </a:p>
@@ -14006,7 +14431,7 @@
           <a:p>
             <a:fld id="{FC5F74AB-A519-4C51-81E9-460DB6DE967E}" type="datetime1">
               <a:rPr lang="uk-UA" smtClean="0"/>
-              <a:t>10.06.2021</a:t>
+              <a:t>14.06.2021</a:t>
             </a:fld>
             <a:endParaRPr lang="uk-UA"/>
           </a:p>
@@ -14373,7 +14798,7 @@
           <a:p>
             <a:fld id="{6A355421-69F2-4C8A-BDA5-833AB0074E0F}" type="datetime1">
               <a:rPr lang="uk-UA" smtClean="0"/>
-              <a:t>10.06.2021</a:t>
+              <a:t>14.06.2021</a:t>
             </a:fld>
             <a:endParaRPr lang="uk-UA"/>
           </a:p>
@@ -14491,7 +14916,7 @@
           <a:p>
             <a:fld id="{07EFB70E-E816-4C44-B4E5-4897FB608D0D}" type="datetime1">
               <a:rPr lang="uk-UA" smtClean="0"/>
-              <a:t>10.06.2021</a:t>
+              <a:t>14.06.2021</a:t>
             </a:fld>
             <a:endParaRPr lang="uk-UA"/>
           </a:p>
@@ -14586,7 +15011,7 @@
           <a:p>
             <a:fld id="{F6525287-7E4A-46BA-85A8-82072F0BD0C7}" type="datetime1">
               <a:rPr lang="uk-UA" smtClean="0"/>
-              <a:t>10.06.2021</a:t>
+              <a:t>14.06.2021</a:t>
             </a:fld>
             <a:endParaRPr lang="uk-UA"/>
           </a:p>
@@ -14799,7 +15224,7 @@
           <a:p>
             <a:fld id="{0528AECD-4A94-4327-BAD7-47806D0E69D9}" type="datetime1">
               <a:rPr lang="uk-UA" smtClean="0"/>
-              <a:t>10.06.2021</a:t>
+              <a:t>14.06.2021</a:t>
             </a:fld>
             <a:endParaRPr lang="uk-UA"/>
           </a:p>
@@ -23021,6 +23446,905 @@
     <p:extLst>
       <p:ext uri="{BB962C8B-B14F-4D97-AF65-F5344CB8AC3E}">
         <p14:creationId xmlns:p14="http://schemas.microsoft.com/office/powerpoint/2010/main" val="1845304628"/>
+      </p:ext>
+    </p:extLst>
+  </p:cSld>
+  <p:clrMapOvr>
+    <a:masterClrMapping/>
+  </p:clrMapOvr>
+</p:sld>
+</file>
+
+<file path=ppt/slides/slide11.xml><?xml version="1.0" encoding="utf-8"?>
+<p:sld xmlns:a="http://schemas.openxmlformats.org/drawingml/2006/main" xmlns:r="http://schemas.openxmlformats.org/officeDocument/2006/relationships" xmlns:p="http://schemas.openxmlformats.org/presentationml/2006/main">
+  <p:cSld>
+    <p:spTree>
+      <p:nvGrpSpPr>
+        <p:cNvPr id="1" name=""/>
+        <p:cNvGrpSpPr/>
+        <p:nvPr/>
+      </p:nvGrpSpPr>
+      <p:grpSpPr>
+        <a:xfrm>
+          <a:off x="0" y="0"/>
+          <a:ext cx="0" cy="0"/>
+          <a:chOff x="0" y="0"/>
+          <a:chExt cx="0" cy="0"/>
+        </a:xfrm>
+      </p:grpSpPr>
+      <p:sp>
+        <p:nvSpPr>
+          <p:cNvPr id="2" name="Місце для вмісту 1">
+            <a:extLst>
+              <a:ext uri="{FF2B5EF4-FFF2-40B4-BE49-F238E27FC236}">
+                <a16:creationId xmlns:a16="http://schemas.microsoft.com/office/drawing/2014/main" id="{9EAF2B81-4AC5-4FC4-BB17-E28FF1B41B8F}"/>
+              </a:ext>
+            </a:extLst>
+          </p:cNvPr>
+          <p:cNvSpPr>
+            <a:spLocks noGrp="1"/>
+          </p:cNvSpPr>
+          <p:nvPr>
+            <p:ph idx="1"/>
+          </p:nvPr>
+        </p:nvSpPr>
+        <p:spPr>
+          <a:xfrm>
+            <a:off x="838199" y="1825625"/>
+            <a:ext cx="10515599" cy="4351338"/>
+          </a:xfrm>
+        </p:spPr>
+        <p:txBody>
+          <a:bodyPr>
+            <a:noAutofit/>
+          </a:bodyPr>
+          <a:lstStyle/>
+          <a:p>
+            <a:pPr algn="l" fontAlgn="base">
+              <a:buFont typeface="Arial" panose="020B0604020202020204" pitchFamily="34" charset="0"/>
+              <a:buChar char="•"/>
+            </a:pPr>
+            <a:r>
+              <a:rPr lang="en-US" sz="2000" b="0" i="0" dirty="0">
+                <a:solidFill>
+                  <a:srgbClr val="454545"/>
+                </a:solidFill>
+                <a:effectLst/>
+                <a:latin typeface="Arial" panose="020B0604020202020204" pitchFamily="34" charset="0"/>
+              </a:rPr>
+              <a:t>A </a:t>
+            </a:r>
+            <a:r>
+              <a:rPr lang="en-US" sz="2000" b="1" i="0" dirty="0">
+                <a:solidFill>
+                  <a:srgbClr val="454545"/>
+                </a:solidFill>
+                <a:effectLst/>
+                <a:latin typeface="Arial" panose="020B0604020202020204" pitchFamily="34" charset="0"/>
+              </a:rPr>
+              <a:t>decision tree</a:t>
+            </a:r>
+            <a:r>
+              <a:rPr lang="en-US" sz="2000" b="0" i="0" dirty="0">
+                <a:solidFill>
+                  <a:srgbClr val="454545"/>
+                </a:solidFill>
+                <a:effectLst/>
+                <a:latin typeface="Arial" panose="020B0604020202020204" pitchFamily="34" charset="0"/>
+              </a:rPr>
+              <a:t> is a simple, decision making-diagram.</a:t>
+            </a:r>
+          </a:p>
+          <a:p>
+            <a:pPr algn="l" fontAlgn="base">
+              <a:buFont typeface="Arial" panose="020B0604020202020204" pitchFamily="34" charset="0"/>
+              <a:buChar char="•"/>
+            </a:pPr>
+            <a:endParaRPr lang="en-US" sz="2000" b="0" i="0" dirty="0">
+              <a:solidFill>
+                <a:srgbClr val="454545"/>
+              </a:solidFill>
+              <a:effectLst/>
+              <a:latin typeface="Arial" panose="020B0604020202020204" pitchFamily="34" charset="0"/>
+            </a:endParaRPr>
+          </a:p>
+          <a:p>
+            <a:pPr algn="l" fontAlgn="base">
+              <a:buFont typeface="Arial" panose="020B0604020202020204" pitchFamily="34" charset="0"/>
+              <a:buChar char="•"/>
+            </a:pPr>
+            <a:r>
+              <a:rPr lang="en-US" sz="2000" b="1" i="0" dirty="0">
+                <a:solidFill>
+                  <a:srgbClr val="454545"/>
+                </a:solidFill>
+                <a:effectLst/>
+                <a:latin typeface="Arial" panose="020B0604020202020204" pitchFamily="34" charset="0"/>
+              </a:rPr>
+              <a:t>Random forests</a:t>
+            </a:r>
+            <a:r>
+              <a:rPr lang="en-US" sz="2000" b="0" i="0" dirty="0">
+                <a:solidFill>
+                  <a:srgbClr val="454545"/>
+                </a:solidFill>
+                <a:effectLst/>
+                <a:latin typeface="Arial" panose="020B0604020202020204" pitchFamily="34" charset="0"/>
+              </a:rPr>
+              <a:t> are a large number of trees, combined (using averages or "majority rules") at the end of the process.</a:t>
+            </a:r>
+          </a:p>
+          <a:p>
+            <a:pPr algn="l" fontAlgn="base">
+              <a:buFont typeface="Arial" panose="020B0604020202020204" pitchFamily="34" charset="0"/>
+              <a:buChar char="•"/>
+            </a:pPr>
+            <a:endParaRPr lang="en-US" sz="2000" b="0" i="0" dirty="0">
+              <a:solidFill>
+                <a:srgbClr val="454545"/>
+              </a:solidFill>
+              <a:effectLst/>
+              <a:latin typeface="Arial" panose="020B0604020202020204" pitchFamily="34" charset="0"/>
+            </a:endParaRPr>
+          </a:p>
+          <a:p>
+            <a:pPr algn="l" fontAlgn="base">
+              <a:buFont typeface="Arial" panose="020B0604020202020204" pitchFamily="34" charset="0"/>
+              <a:buChar char="•"/>
+            </a:pPr>
+            <a:r>
+              <a:rPr lang="en-US" sz="2000" b="1" i="0" dirty="0">
+                <a:solidFill>
+                  <a:srgbClr val="454545"/>
+                </a:solidFill>
+                <a:effectLst/>
+                <a:latin typeface="Arial" panose="020B0604020202020204" pitchFamily="34" charset="0"/>
+              </a:rPr>
+              <a:t>Gradient boosting machines</a:t>
+            </a:r>
+            <a:r>
+              <a:rPr lang="en-US" sz="2000" b="0" i="0" dirty="0">
+                <a:solidFill>
+                  <a:srgbClr val="454545"/>
+                </a:solidFill>
+                <a:effectLst/>
+                <a:latin typeface="Arial" panose="020B0604020202020204" pitchFamily="34" charset="0"/>
+              </a:rPr>
+              <a:t> also combine decision trees, but start the combining process at the beginning, instead of at the end.</a:t>
+            </a:r>
+          </a:p>
+        </p:txBody>
+      </p:sp>
+      <p:sp>
+        <p:nvSpPr>
+          <p:cNvPr id="3" name="Місце для номера слайда 2">
+            <a:extLst>
+              <a:ext uri="{FF2B5EF4-FFF2-40B4-BE49-F238E27FC236}">
+                <a16:creationId xmlns:a16="http://schemas.microsoft.com/office/drawing/2014/main" id="{9E31D465-47CF-49FD-97BA-4102330CE98E}"/>
+              </a:ext>
+            </a:extLst>
+          </p:cNvPr>
+          <p:cNvSpPr>
+            <a:spLocks noGrp="1"/>
+          </p:cNvSpPr>
+          <p:nvPr>
+            <p:ph type="sldNum" sz="quarter" idx="12"/>
+          </p:nvPr>
+        </p:nvSpPr>
+        <p:spPr/>
+        <p:txBody>
+          <a:bodyPr/>
+          <a:lstStyle/>
+          <a:p>
+            <a:fld id="{472947FE-C0EE-4B89-BF95-BB6F5DBEA98C}" type="slidenum">
+              <a:rPr lang="uk-UA" smtClean="0"/>
+              <a:t>11</a:t>
+            </a:fld>
+            <a:endParaRPr lang="uk-UA" dirty="0"/>
+          </a:p>
+        </p:txBody>
+      </p:sp>
+      <p:sp>
+        <p:nvSpPr>
+          <p:cNvPr id="4" name="Заголовок 3">
+            <a:extLst>
+              <a:ext uri="{FF2B5EF4-FFF2-40B4-BE49-F238E27FC236}">
+                <a16:creationId xmlns:a16="http://schemas.microsoft.com/office/drawing/2014/main" id="{C70CB910-1A1F-4710-B6A8-53C5D19625FF}"/>
+              </a:ext>
+            </a:extLst>
+          </p:cNvPr>
+          <p:cNvSpPr>
+            <a:spLocks noGrp="1"/>
+          </p:cNvSpPr>
+          <p:nvPr>
+            <p:ph type="title"/>
+          </p:nvPr>
+        </p:nvSpPr>
+        <p:spPr/>
+        <p:txBody>
+          <a:bodyPr/>
+          <a:lstStyle/>
+          <a:p>
+            <a:r>
+              <a:rPr lang="en-US" dirty="0"/>
+              <a:t>Tree based algorithms</a:t>
+            </a:r>
+            <a:endParaRPr lang="uk-UA" dirty="0"/>
+          </a:p>
+        </p:txBody>
+      </p:sp>
+    </p:spTree>
+    <p:extLst>
+      <p:ext uri="{BB962C8B-B14F-4D97-AF65-F5344CB8AC3E}">
+        <p14:creationId xmlns:p14="http://schemas.microsoft.com/office/powerpoint/2010/main" val="1174956108"/>
+      </p:ext>
+    </p:extLst>
+  </p:cSld>
+  <p:clrMapOvr>
+    <a:masterClrMapping/>
+  </p:clrMapOvr>
+</p:sld>
+</file>
+
+<file path=ppt/slides/slide12.xml><?xml version="1.0" encoding="utf-8"?>
+<p:sld xmlns:a="http://schemas.openxmlformats.org/drawingml/2006/main" xmlns:r="http://schemas.openxmlformats.org/officeDocument/2006/relationships" xmlns:p="http://schemas.openxmlformats.org/presentationml/2006/main">
+  <p:cSld>
+    <p:spTree>
+      <p:nvGrpSpPr>
+        <p:cNvPr id="1" name=""/>
+        <p:cNvGrpSpPr/>
+        <p:nvPr/>
+      </p:nvGrpSpPr>
+      <p:grpSpPr>
+        <a:xfrm>
+          <a:off x="0" y="0"/>
+          <a:ext cx="0" cy="0"/>
+          <a:chOff x="0" y="0"/>
+          <a:chExt cx="0" cy="0"/>
+        </a:xfrm>
+      </p:grpSpPr>
+      <p:sp>
+        <p:nvSpPr>
+          <p:cNvPr id="2" name="Місце для вмісту 1">
+            <a:extLst>
+              <a:ext uri="{FF2B5EF4-FFF2-40B4-BE49-F238E27FC236}">
+                <a16:creationId xmlns:a16="http://schemas.microsoft.com/office/drawing/2014/main" id="{9EAF2B81-4AC5-4FC4-BB17-E28FF1B41B8F}"/>
+              </a:ext>
+            </a:extLst>
+          </p:cNvPr>
+          <p:cNvSpPr>
+            <a:spLocks noGrp="1"/>
+          </p:cNvSpPr>
+          <p:nvPr>
+            <p:ph idx="1"/>
+          </p:nvPr>
+        </p:nvSpPr>
+        <p:spPr>
+          <a:xfrm>
+            <a:off x="838200" y="1825625"/>
+            <a:ext cx="3685674" cy="4351338"/>
+          </a:xfrm>
+        </p:spPr>
+        <p:txBody>
+          <a:bodyPr>
+            <a:noAutofit/>
+          </a:bodyPr>
+          <a:lstStyle/>
+          <a:p>
+            <a:pPr marL="0" indent="0" algn="l" fontAlgn="base">
+              <a:buNone/>
+            </a:pPr>
+            <a:r>
+              <a:rPr lang="en-US" sz="2000" b="1" i="0" dirty="0">
+                <a:solidFill>
+                  <a:srgbClr val="454545"/>
+                </a:solidFill>
+                <a:effectLst/>
+                <a:latin typeface="Arial" panose="020B0604020202020204" pitchFamily="34" charset="0"/>
+              </a:rPr>
+              <a:t>Ensemble methods </a:t>
+            </a:r>
+            <a:r>
+              <a:rPr lang="en-US" sz="2000" b="0" i="0" dirty="0">
+                <a:solidFill>
+                  <a:srgbClr val="454545"/>
+                </a:solidFill>
+                <a:effectLst/>
+                <a:latin typeface="Arial" panose="020B0604020202020204" pitchFamily="34" charset="0"/>
+              </a:rPr>
+              <a:t>involve aggregating multiple machine learning models with the aim of decreasing both bias and variance. Ideally, the result from an ensemble method will be better than any of individual machine learning model.</a:t>
+            </a:r>
+          </a:p>
+        </p:txBody>
+      </p:sp>
+      <p:sp>
+        <p:nvSpPr>
+          <p:cNvPr id="3" name="Місце для номера слайда 2">
+            <a:extLst>
+              <a:ext uri="{FF2B5EF4-FFF2-40B4-BE49-F238E27FC236}">
+                <a16:creationId xmlns:a16="http://schemas.microsoft.com/office/drawing/2014/main" id="{9E31D465-47CF-49FD-97BA-4102330CE98E}"/>
+              </a:ext>
+            </a:extLst>
+          </p:cNvPr>
+          <p:cNvSpPr>
+            <a:spLocks noGrp="1"/>
+          </p:cNvSpPr>
+          <p:nvPr>
+            <p:ph type="sldNum" sz="quarter" idx="12"/>
+          </p:nvPr>
+        </p:nvSpPr>
+        <p:spPr/>
+        <p:txBody>
+          <a:bodyPr/>
+          <a:lstStyle/>
+          <a:p>
+            <a:fld id="{472947FE-C0EE-4B89-BF95-BB6F5DBEA98C}" type="slidenum">
+              <a:rPr lang="uk-UA" smtClean="0"/>
+              <a:t>12</a:t>
+            </a:fld>
+            <a:endParaRPr lang="uk-UA" dirty="0"/>
+          </a:p>
+        </p:txBody>
+      </p:sp>
+      <p:sp>
+        <p:nvSpPr>
+          <p:cNvPr id="4" name="Заголовок 3">
+            <a:extLst>
+              <a:ext uri="{FF2B5EF4-FFF2-40B4-BE49-F238E27FC236}">
+                <a16:creationId xmlns:a16="http://schemas.microsoft.com/office/drawing/2014/main" id="{C70CB910-1A1F-4710-B6A8-53C5D19625FF}"/>
+              </a:ext>
+            </a:extLst>
+          </p:cNvPr>
+          <p:cNvSpPr>
+            <a:spLocks noGrp="1"/>
+          </p:cNvSpPr>
+          <p:nvPr>
+            <p:ph type="title"/>
+          </p:nvPr>
+        </p:nvSpPr>
+        <p:spPr/>
+        <p:txBody>
+          <a:bodyPr/>
+          <a:lstStyle/>
+          <a:p>
+            <a:r>
+              <a:rPr lang="en-US" dirty="0"/>
+              <a:t>Ensembles</a:t>
+            </a:r>
+            <a:endParaRPr lang="uk-UA" dirty="0"/>
+          </a:p>
+        </p:txBody>
+      </p:sp>
+      <p:pic>
+        <p:nvPicPr>
+          <p:cNvPr id="2050" name="Picture 2" descr="Figure">
+            <a:extLst>
+              <a:ext uri="{FF2B5EF4-FFF2-40B4-BE49-F238E27FC236}">
+                <a16:creationId xmlns:a16="http://schemas.microsoft.com/office/drawing/2014/main" id="{0E8BA419-A92E-477E-9C27-9BC54D7DC38F}"/>
+              </a:ext>
+            </a:extLst>
+          </p:cNvPr>
+          <p:cNvPicPr>
+            <a:picLocks noChangeAspect="1" noChangeArrowheads="1"/>
+          </p:cNvPicPr>
+          <p:nvPr/>
+        </p:nvPicPr>
+        <p:blipFill>
+          <a:blip r:embed="rId3">
+            <a:extLst>
+              <a:ext uri="{28A0092B-C50C-407E-A947-70E740481C1C}">
+                <a14:useLocalDpi xmlns:a14="http://schemas.microsoft.com/office/drawing/2010/main" val="0"/>
+              </a:ext>
+            </a:extLst>
+          </a:blip>
+          <a:srcRect/>
+          <a:stretch>
+            <a:fillRect/>
+          </a:stretch>
+        </p:blipFill>
+        <p:spPr bwMode="auto">
+          <a:xfrm>
+            <a:off x="4844716" y="1665668"/>
+            <a:ext cx="7024437" cy="4671251"/>
+          </a:xfrm>
+          <a:prstGeom prst="rect">
+            <a:avLst/>
+          </a:prstGeom>
+          <a:noFill/>
+          <a:extLst>
+            <a:ext uri="{909E8E84-426E-40DD-AFC4-6F175D3DCCD1}">
+              <a14:hiddenFill xmlns:a14="http://schemas.microsoft.com/office/drawing/2010/main">
+                <a:solidFill>
+                  <a:srgbClr val="FFFFFF"/>
+                </a:solidFill>
+              </a14:hiddenFill>
+            </a:ext>
+          </a:extLst>
+        </p:spPr>
+      </p:pic>
+    </p:spTree>
+    <p:extLst>
+      <p:ext uri="{BB962C8B-B14F-4D97-AF65-F5344CB8AC3E}">
+        <p14:creationId xmlns:p14="http://schemas.microsoft.com/office/powerpoint/2010/main" val="1737340966"/>
+      </p:ext>
+    </p:extLst>
+  </p:cSld>
+  <p:clrMapOvr>
+    <a:masterClrMapping/>
+  </p:clrMapOvr>
+</p:sld>
+</file>
+
+<file path=ppt/slides/slide13.xml><?xml version="1.0" encoding="utf-8"?>
+<p:sld xmlns:a="http://schemas.openxmlformats.org/drawingml/2006/main" xmlns:r="http://schemas.openxmlformats.org/officeDocument/2006/relationships" xmlns:p="http://schemas.openxmlformats.org/presentationml/2006/main">
+  <p:cSld>
+    <p:spTree>
+      <p:nvGrpSpPr>
+        <p:cNvPr id="1" name=""/>
+        <p:cNvGrpSpPr/>
+        <p:nvPr/>
+      </p:nvGrpSpPr>
+      <p:grpSpPr>
+        <a:xfrm>
+          <a:off x="0" y="0"/>
+          <a:ext cx="0" cy="0"/>
+          <a:chOff x="0" y="0"/>
+          <a:chExt cx="0" cy="0"/>
+        </a:xfrm>
+      </p:grpSpPr>
+      <p:sp>
+        <p:nvSpPr>
+          <p:cNvPr id="2" name="Місце для вмісту 1">
+            <a:extLst>
+              <a:ext uri="{FF2B5EF4-FFF2-40B4-BE49-F238E27FC236}">
+                <a16:creationId xmlns:a16="http://schemas.microsoft.com/office/drawing/2014/main" id="{9EAF2B81-4AC5-4FC4-BB17-E28FF1B41B8F}"/>
+              </a:ext>
+            </a:extLst>
+          </p:cNvPr>
+          <p:cNvSpPr>
+            <a:spLocks noGrp="1"/>
+          </p:cNvSpPr>
+          <p:nvPr>
+            <p:ph idx="1"/>
+          </p:nvPr>
+        </p:nvSpPr>
+        <p:spPr>
+          <a:xfrm>
+            <a:off x="838199" y="1825625"/>
+            <a:ext cx="10515599" cy="4351338"/>
+          </a:xfrm>
+        </p:spPr>
+        <p:txBody>
+          <a:bodyPr>
+            <a:noAutofit/>
+          </a:bodyPr>
+          <a:lstStyle/>
+          <a:p>
+            <a:pPr algn="l" fontAlgn="base">
+              <a:buFont typeface="Arial" panose="020B0604020202020204" pitchFamily="34" charset="0"/>
+              <a:buChar char="•"/>
+            </a:pPr>
+            <a:r>
+              <a:rPr lang="en-US" sz="2000" b="1" i="0" dirty="0">
+                <a:solidFill>
+                  <a:srgbClr val="454545"/>
+                </a:solidFill>
+                <a:effectLst/>
+                <a:latin typeface="Arial" panose="020B0604020202020204" pitchFamily="34" charset="0"/>
+              </a:rPr>
+              <a:t>Gradient Boosting: </a:t>
+            </a:r>
+            <a:r>
+              <a:rPr lang="en-US" sz="2000" b="0" i="0" dirty="0">
+                <a:solidFill>
+                  <a:srgbClr val="454545"/>
+                </a:solidFill>
+                <a:effectLst/>
+                <a:latin typeface="Arial" panose="020B0604020202020204" pitchFamily="34" charset="0"/>
+              </a:rPr>
+              <a:t>build trees one at a time, where each new tree helps to correct errors made by previously trained tree.</a:t>
+            </a:r>
+          </a:p>
+          <a:p>
+            <a:pPr marL="977900" indent="0" algn="l" fontAlgn="base">
+              <a:buNone/>
+            </a:pPr>
+            <a:r>
+              <a:rPr lang="en-US" sz="2000" i="1" dirty="0">
+                <a:solidFill>
+                  <a:srgbClr val="454545"/>
+                </a:solidFill>
+                <a:latin typeface="Arial" panose="020B0604020202020204" pitchFamily="34" charset="0"/>
+              </a:rPr>
+              <a:t>Boosting takes an iterative approach to combine a number of weak, sequential models to create one strong model by focusing on the mistakes in the prior iterations.</a:t>
+            </a:r>
+          </a:p>
+          <a:p>
+            <a:pPr algn="l" fontAlgn="base">
+              <a:buFont typeface="Arial" panose="020B0604020202020204" pitchFamily="34" charset="0"/>
+              <a:buChar char="•"/>
+            </a:pPr>
+            <a:endParaRPr lang="en-US" sz="2000" dirty="0">
+              <a:solidFill>
+                <a:srgbClr val="454545"/>
+              </a:solidFill>
+              <a:latin typeface="Arial" panose="020B0604020202020204" pitchFamily="34" charset="0"/>
+            </a:endParaRPr>
+          </a:p>
+          <a:p>
+            <a:pPr algn="l" fontAlgn="base">
+              <a:buFont typeface="Arial" panose="020B0604020202020204" pitchFamily="34" charset="0"/>
+              <a:buChar char="•"/>
+            </a:pPr>
+            <a:r>
+              <a:rPr lang="en-US" sz="2000" b="1" i="0" dirty="0">
+                <a:solidFill>
+                  <a:srgbClr val="454545"/>
+                </a:solidFill>
+                <a:effectLst/>
+                <a:latin typeface="Arial" panose="020B0604020202020204" pitchFamily="34" charset="0"/>
+              </a:rPr>
+              <a:t>Random Forest (Bagging): </a:t>
+            </a:r>
+            <a:r>
+              <a:rPr lang="en-US" sz="2000" b="0" i="0" dirty="0">
+                <a:solidFill>
+                  <a:srgbClr val="454545"/>
+                </a:solidFill>
+                <a:effectLst/>
+                <a:latin typeface="Arial" panose="020B0604020202020204" pitchFamily="34" charset="0"/>
+              </a:rPr>
+              <a:t>train each tree independently, using a random sample of the data. This randomness helps to make the model more robust than a single decision tree, and less likely to overfit on the training data</a:t>
+            </a:r>
+          </a:p>
+          <a:p>
+            <a:pPr marL="977900" indent="0" algn="l" fontAlgn="base">
+              <a:buNone/>
+            </a:pPr>
+            <a:r>
+              <a:rPr lang="en-US" sz="2000" i="1" dirty="0">
+                <a:solidFill>
+                  <a:srgbClr val="454545"/>
+                </a:solidFill>
+                <a:latin typeface="Arial" panose="020B0604020202020204" pitchFamily="34" charset="0"/>
+              </a:rPr>
+              <a:t>Bagging, also known as bootstrap aggregating, refers to the process of creating and merging a collection of independent, parallel decision trees using different subsets of the training data (bootstrapped datasets).</a:t>
+            </a:r>
+          </a:p>
+        </p:txBody>
+      </p:sp>
+      <p:sp>
+        <p:nvSpPr>
+          <p:cNvPr id="3" name="Місце для номера слайда 2">
+            <a:extLst>
+              <a:ext uri="{FF2B5EF4-FFF2-40B4-BE49-F238E27FC236}">
+                <a16:creationId xmlns:a16="http://schemas.microsoft.com/office/drawing/2014/main" id="{9E31D465-47CF-49FD-97BA-4102330CE98E}"/>
+              </a:ext>
+            </a:extLst>
+          </p:cNvPr>
+          <p:cNvSpPr>
+            <a:spLocks noGrp="1"/>
+          </p:cNvSpPr>
+          <p:nvPr>
+            <p:ph type="sldNum" sz="quarter" idx="12"/>
+          </p:nvPr>
+        </p:nvSpPr>
+        <p:spPr/>
+        <p:txBody>
+          <a:bodyPr/>
+          <a:lstStyle/>
+          <a:p>
+            <a:fld id="{472947FE-C0EE-4B89-BF95-BB6F5DBEA98C}" type="slidenum">
+              <a:rPr lang="uk-UA" smtClean="0"/>
+              <a:t>13</a:t>
+            </a:fld>
+            <a:endParaRPr lang="uk-UA" dirty="0"/>
+          </a:p>
+        </p:txBody>
+      </p:sp>
+      <p:sp>
+        <p:nvSpPr>
+          <p:cNvPr id="4" name="Заголовок 3">
+            <a:extLst>
+              <a:ext uri="{FF2B5EF4-FFF2-40B4-BE49-F238E27FC236}">
+                <a16:creationId xmlns:a16="http://schemas.microsoft.com/office/drawing/2014/main" id="{C70CB910-1A1F-4710-B6A8-53C5D19625FF}"/>
+              </a:ext>
+            </a:extLst>
+          </p:cNvPr>
+          <p:cNvSpPr>
+            <a:spLocks noGrp="1"/>
+          </p:cNvSpPr>
+          <p:nvPr>
+            <p:ph type="title"/>
+          </p:nvPr>
+        </p:nvSpPr>
+        <p:spPr/>
+        <p:txBody>
+          <a:bodyPr/>
+          <a:lstStyle/>
+          <a:p>
+            <a:r>
+              <a:rPr lang="en-US" dirty="0"/>
+              <a:t>Random forest vs Gradient Boosting</a:t>
+            </a:r>
+            <a:endParaRPr lang="uk-UA" dirty="0"/>
+          </a:p>
+        </p:txBody>
+      </p:sp>
+    </p:spTree>
+    <p:extLst>
+      <p:ext uri="{BB962C8B-B14F-4D97-AF65-F5344CB8AC3E}">
+        <p14:creationId xmlns:p14="http://schemas.microsoft.com/office/powerpoint/2010/main" val="2649205631"/>
+      </p:ext>
+    </p:extLst>
+  </p:cSld>
+  <p:clrMapOvr>
+    <a:masterClrMapping/>
+  </p:clrMapOvr>
+</p:sld>
+</file>
+
+<file path=ppt/slides/slide14.xml><?xml version="1.0" encoding="utf-8"?>
+<p:sld xmlns:a="http://schemas.openxmlformats.org/drawingml/2006/main" xmlns:r="http://schemas.openxmlformats.org/officeDocument/2006/relationships" xmlns:p="http://schemas.openxmlformats.org/presentationml/2006/main">
+  <p:cSld>
+    <p:spTree>
+      <p:nvGrpSpPr>
+        <p:cNvPr id="1" name=""/>
+        <p:cNvGrpSpPr/>
+        <p:nvPr/>
+      </p:nvGrpSpPr>
+      <p:grpSpPr>
+        <a:xfrm>
+          <a:off x="0" y="0"/>
+          <a:ext cx="0" cy="0"/>
+          <a:chOff x="0" y="0"/>
+          <a:chExt cx="0" cy="0"/>
+        </a:xfrm>
+      </p:grpSpPr>
+      <p:sp>
+        <p:nvSpPr>
+          <p:cNvPr id="3" name="Місце для номера слайда 2">
+            <a:extLst>
+              <a:ext uri="{FF2B5EF4-FFF2-40B4-BE49-F238E27FC236}">
+                <a16:creationId xmlns:a16="http://schemas.microsoft.com/office/drawing/2014/main" id="{9E31D465-47CF-49FD-97BA-4102330CE98E}"/>
+              </a:ext>
+            </a:extLst>
+          </p:cNvPr>
+          <p:cNvSpPr>
+            <a:spLocks noGrp="1"/>
+          </p:cNvSpPr>
+          <p:nvPr>
+            <p:ph type="sldNum" sz="quarter" idx="12"/>
+          </p:nvPr>
+        </p:nvSpPr>
+        <p:spPr/>
+        <p:txBody>
+          <a:bodyPr/>
+          <a:lstStyle/>
+          <a:p>
+            <a:fld id="{472947FE-C0EE-4B89-BF95-BB6F5DBEA98C}" type="slidenum">
+              <a:rPr lang="uk-UA" smtClean="0"/>
+              <a:t>14</a:t>
+            </a:fld>
+            <a:endParaRPr lang="uk-UA" dirty="0"/>
+          </a:p>
+        </p:txBody>
+      </p:sp>
+      <p:sp>
+        <p:nvSpPr>
+          <p:cNvPr id="4" name="Заголовок 3">
+            <a:extLst>
+              <a:ext uri="{FF2B5EF4-FFF2-40B4-BE49-F238E27FC236}">
+                <a16:creationId xmlns:a16="http://schemas.microsoft.com/office/drawing/2014/main" id="{C70CB910-1A1F-4710-B6A8-53C5D19625FF}"/>
+              </a:ext>
+            </a:extLst>
+          </p:cNvPr>
+          <p:cNvSpPr>
+            <a:spLocks noGrp="1"/>
+          </p:cNvSpPr>
+          <p:nvPr>
+            <p:ph type="title"/>
+          </p:nvPr>
+        </p:nvSpPr>
+        <p:spPr/>
+        <p:txBody>
+          <a:bodyPr/>
+          <a:lstStyle/>
+          <a:p>
+            <a:r>
+              <a:rPr lang="en-US" dirty="0"/>
+              <a:t>Random forest</a:t>
+            </a:r>
+            <a:endParaRPr lang="uk-UA" dirty="0"/>
+          </a:p>
+        </p:txBody>
+      </p:sp>
+      <p:pic>
+        <p:nvPicPr>
+          <p:cNvPr id="1026" name="Picture 2" descr="Fig. 9.17">
+            <a:extLst>
+              <a:ext uri="{FF2B5EF4-FFF2-40B4-BE49-F238E27FC236}">
+                <a16:creationId xmlns:a16="http://schemas.microsoft.com/office/drawing/2014/main" id="{E0389EC2-1327-437D-8D36-E9465749A0AD}"/>
+              </a:ext>
+            </a:extLst>
+          </p:cNvPr>
+          <p:cNvPicPr>
+            <a:picLocks noChangeAspect="1" noChangeArrowheads="1"/>
+          </p:cNvPicPr>
+          <p:nvPr/>
+        </p:nvPicPr>
+        <p:blipFill>
+          <a:blip r:embed="rId3">
+            <a:extLst>
+              <a:ext uri="{28A0092B-C50C-407E-A947-70E740481C1C}">
+                <a14:useLocalDpi xmlns:a14="http://schemas.microsoft.com/office/drawing/2010/main" val="0"/>
+              </a:ext>
+            </a:extLst>
+          </a:blip>
+          <a:srcRect/>
+          <a:stretch>
+            <a:fillRect/>
+          </a:stretch>
+        </p:blipFill>
+        <p:spPr bwMode="auto">
+          <a:xfrm>
+            <a:off x="2518611" y="1566252"/>
+            <a:ext cx="6475998" cy="4790098"/>
+          </a:xfrm>
+          <a:prstGeom prst="rect">
+            <a:avLst/>
+          </a:prstGeom>
+          <a:noFill/>
+          <a:extLst>
+            <a:ext uri="{909E8E84-426E-40DD-AFC4-6F175D3DCCD1}">
+              <a14:hiddenFill xmlns:a14="http://schemas.microsoft.com/office/drawing/2010/main">
+                <a:solidFill>
+                  <a:srgbClr val="FFFFFF"/>
+                </a:solidFill>
+              </a14:hiddenFill>
+            </a:ext>
+          </a:extLst>
+        </p:spPr>
+      </p:pic>
+    </p:spTree>
+    <p:extLst>
+      <p:ext uri="{BB962C8B-B14F-4D97-AF65-F5344CB8AC3E}">
+        <p14:creationId xmlns:p14="http://schemas.microsoft.com/office/powerpoint/2010/main" val="94152200"/>
+      </p:ext>
+    </p:extLst>
+  </p:cSld>
+  <p:clrMapOvr>
+    <a:masterClrMapping/>
+  </p:clrMapOvr>
+</p:sld>
+</file>
+
+<file path=ppt/slides/slide15.xml><?xml version="1.0" encoding="utf-8"?>
+<p:sld xmlns:a="http://schemas.openxmlformats.org/drawingml/2006/main" xmlns:r="http://schemas.openxmlformats.org/officeDocument/2006/relationships" xmlns:p="http://schemas.openxmlformats.org/presentationml/2006/main">
+  <p:cSld>
+    <p:spTree>
+      <p:nvGrpSpPr>
+        <p:cNvPr id="1" name=""/>
+        <p:cNvGrpSpPr/>
+        <p:nvPr/>
+      </p:nvGrpSpPr>
+      <p:grpSpPr>
+        <a:xfrm>
+          <a:off x="0" y="0"/>
+          <a:ext cx="0" cy="0"/>
+          <a:chOff x="0" y="0"/>
+          <a:chExt cx="0" cy="0"/>
+        </a:xfrm>
+      </p:grpSpPr>
+      <p:sp>
+        <p:nvSpPr>
+          <p:cNvPr id="3" name="Місце для номера слайда 2">
+            <a:extLst>
+              <a:ext uri="{FF2B5EF4-FFF2-40B4-BE49-F238E27FC236}">
+                <a16:creationId xmlns:a16="http://schemas.microsoft.com/office/drawing/2014/main" id="{9E31D465-47CF-49FD-97BA-4102330CE98E}"/>
+              </a:ext>
+            </a:extLst>
+          </p:cNvPr>
+          <p:cNvSpPr>
+            <a:spLocks noGrp="1"/>
+          </p:cNvSpPr>
+          <p:nvPr>
+            <p:ph type="sldNum" sz="quarter" idx="12"/>
+          </p:nvPr>
+        </p:nvSpPr>
+        <p:spPr/>
+        <p:txBody>
+          <a:bodyPr/>
+          <a:lstStyle/>
+          <a:p>
+            <a:fld id="{472947FE-C0EE-4B89-BF95-BB6F5DBEA98C}" type="slidenum">
+              <a:rPr lang="uk-UA" smtClean="0"/>
+              <a:t>15</a:t>
+            </a:fld>
+            <a:endParaRPr lang="uk-UA" dirty="0"/>
+          </a:p>
+        </p:txBody>
+      </p:sp>
+      <p:sp>
+        <p:nvSpPr>
+          <p:cNvPr id="4" name="Заголовок 3">
+            <a:extLst>
+              <a:ext uri="{FF2B5EF4-FFF2-40B4-BE49-F238E27FC236}">
+                <a16:creationId xmlns:a16="http://schemas.microsoft.com/office/drawing/2014/main" id="{C70CB910-1A1F-4710-B6A8-53C5D19625FF}"/>
+              </a:ext>
+            </a:extLst>
+          </p:cNvPr>
+          <p:cNvSpPr>
+            <a:spLocks noGrp="1"/>
+          </p:cNvSpPr>
+          <p:nvPr>
+            <p:ph type="title"/>
+          </p:nvPr>
+        </p:nvSpPr>
+        <p:spPr/>
+        <p:txBody>
+          <a:bodyPr/>
+          <a:lstStyle/>
+          <a:p>
+            <a:r>
+              <a:rPr lang="en-US" dirty="0"/>
+              <a:t>Gradient boosting</a:t>
+            </a:r>
+            <a:endParaRPr lang="uk-UA" dirty="0"/>
+          </a:p>
+        </p:txBody>
+      </p:sp>
+      <p:pic>
+        <p:nvPicPr>
+          <p:cNvPr id="3076" name="Picture 4" descr="Schematical representation of gradient boosting regression in regards to algorithm iterations">
+            <a:extLst>
+              <a:ext uri="{FF2B5EF4-FFF2-40B4-BE49-F238E27FC236}">
+                <a16:creationId xmlns:a16="http://schemas.microsoft.com/office/drawing/2014/main" id="{279ABDAA-AC65-4CAB-A82E-6F6D04121105}"/>
+              </a:ext>
+            </a:extLst>
+          </p:cNvPr>
+          <p:cNvPicPr>
+            <a:picLocks noChangeAspect="1" noChangeArrowheads="1"/>
+          </p:cNvPicPr>
+          <p:nvPr/>
+        </p:nvPicPr>
+        <p:blipFill>
+          <a:blip r:embed="rId3">
+            <a:extLst>
+              <a:ext uri="{28A0092B-C50C-407E-A947-70E740481C1C}">
+                <a14:useLocalDpi xmlns:a14="http://schemas.microsoft.com/office/drawing/2010/main" val="0"/>
+              </a:ext>
+            </a:extLst>
+          </a:blip>
+          <a:srcRect/>
+          <a:stretch>
+            <a:fillRect/>
+          </a:stretch>
+        </p:blipFill>
+        <p:spPr bwMode="auto">
+          <a:xfrm>
+            <a:off x="1611981" y="1590675"/>
+            <a:ext cx="8630069" cy="4765675"/>
+          </a:xfrm>
+          <a:prstGeom prst="rect">
+            <a:avLst/>
+          </a:prstGeom>
+          <a:noFill/>
+          <a:extLst>
+            <a:ext uri="{909E8E84-426E-40DD-AFC4-6F175D3DCCD1}">
+              <a14:hiddenFill xmlns:a14="http://schemas.microsoft.com/office/drawing/2010/main">
+                <a:solidFill>
+                  <a:srgbClr val="FFFFFF"/>
+                </a:solidFill>
+              </a14:hiddenFill>
+            </a:ext>
+          </a:extLst>
+        </p:spPr>
+      </p:pic>
+    </p:spTree>
+    <p:extLst>
+      <p:ext uri="{BB962C8B-B14F-4D97-AF65-F5344CB8AC3E}">
+        <p14:creationId xmlns:p14="http://schemas.microsoft.com/office/powerpoint/2010/main" val="4111587467"/>
       </p:ext>
     </p:extLst>
   </p:cSld>
